--- a/06. Entwicklung einer App für Windows Phone/06. Entwicklung einer App für Windows Phone.pptx
+++ b/06. Entwicklung einer App für Windows Phone/06. Entwicklung einer App für Windows Phone.pptx
@@ -319,7 +319,7 @@
               <a:pPr>
                 <a:defRPr/>
               </a:pPr>
-              <a:t>25.09.2015</a:t>
+              <a:t>27.09.2015</a:t>
             </a:fld>
             <a:endParaRPr lang="de-DE"/>
           </a:p>
@@ -518,7 +518,7 @@
               <a:pPr>
                 <a:defRPr/>
               </a:pPr>
-              <a:t>2015-09-25</a:t>
+              <a:t>2015-09-27</a:t>
             </a:fld>
             <a:endParaRPr lang="sv-SE"/>
           </a:p>
@@ -11891,15 +11891,7 @@
                     <a:p>
                       <a:r>
                         <a:rPr lang="de-DE" b="0" dirty="0" smtClean="0"/>
-                        <a:t>06 | Entwicklung einer App für Windows Phone Teil 2 </a:t>
-                      </a:r>
-                      <a:r>
-                        <a:rPr lang="de-DE" b="0" dirty="0" smtClean="0"/>
-                        <a:t>(Hands-On ViewModels</a:t>
-                      </a:r>
-                      <a:r>
-                        <a:rPr lang="de-DE" b="0" dirty="0" smtClean="0"/>
-                        <a:t>)</a:t>
+                        <a:t>06 | Entwicklung einer App für Windows Phone Teil 2 (Hands-On ViewModels)</a:t>
                       </a:r>
                       <a:endParaRPr lang="de-DE" b="0" dirty="0"/>
                     </a:p>
@@ -11964,11 +11956,7 @@
                     <a:p>
                       <a:r>
                         <a:rPr lang="de-DE" dirty="0" smtClean="0"/>
-                        <a:t>06 | Entwicklung einer App für Windows Phone Teil 3 </a:t>
-                      </a:r>
-                      <a:r>
-                        <a:rPr lang="de-DE" dirty="0" smtClean="0"/>
-                        <a:t>(Hands-On</a:t>
+                        <a:t>06 | Entwicklung einer App für Windows Phone Teil 3 (Hands-On</a:t>
                       </a:r>
                       <a:r>
                         <a:rPr lang="de-DE" baseline="0" dirty="0" smtClean="0"/>
@@ -11976,11 +11964,7 @@
                       </a:r>
                       <a:r>
                         <a:rPr lang="de-DE" dirty="0" smtClean="0"/>
-                        <a:t>Services</a:t>
-                      </a:r>
-                      <a:r>
-                        <a:rPr lang="de-DE" dirty="0" smtClean="0"/>
-                        <a:t>)</a:t>
+                        <a:t>Services)</a:t>
                       </a:r>
                       <a:endParaRPr lang="de-DE" dirty="0"/>
                     </a:p>
@@ -12027,15 +12011,7 @@
                       </a:pPr>
                       <a:r>
                         <a:rPr lang="de-DE" b="0" dirty="0" smtClean="0"/>
-                        <a:t>06 | Entwicklung einer App für Windows Phone Teil 4/1 </a:t>
-                      </a:r>
-                      <a:r>
-                        <a:rPr lang="de-DE" b="0" dirty="0" smtClean="0"/>
-                        <a:t>(WP </a:t>
-                      </a:r>
-                      <a:r>
-                        <a:rPr lang="de-DE" b="0" dirty="0" smtClean="0"/>
-                        <a:t>API)</a:t>
+                        <a:t>06 | Entwicklung einer App für Windows Phone Teil 4/1 (WP API)</a:t>
                       </a:r>
                     </a:p>
                   </a:txBody>
@@ -13029,29 +13005,6 @@
           </a:p>
         </p:txBody>
       </p:sp>
-      <p:pic>
-        <p:nvPicPr>
-          <p:cNvPr id="9" name="Grafik 8"/>
-          <p:cNvPicPr>
-            <a:picLocks noChangeAspect="1"/>
-          </p:cNvPicPr>
-          <p:nvPr/>
-        </p:nvPicPr>
-        <p:blipFill rotWithShape="1">
-          <a:blip r:embed="rId3"/>
-          <a:srcRect l="-117" t="11217" r="117" b="-762"/>
-          <a:stretch/>
-        </p:blipFill>
-        <p:spPr>
-          <a:xfrm>
-            <a:off x="444501" y="1170658"/>
-            <a:ext cx="9880600" cy="5439248"/>
-          </a:xfrm>
-          <a:prstGeom prst="rect">
-            <a:avLst/>
-          </a:prstGeom>
-        </p:spPr>
-      </p:pic>
       <p:sp>
         <p:nvSpPr>
           <p:cNvPr id="10" name="Titel 1"/>
@@ -13097,7 +13050,7 @@
         </p:nvSpPr>
         <p:spPr>
           <a:xfrm>
-            <a:off x="8892369" y="6427917"/>
+            <a:off x="8169318" y="5967871"/>
             <a:ext cx="1527982" cy="307777"/>
           </a:xfrm>
           <a:prstGeom prst="rect">
@@ -13122,6 +13075,105 @@
           </a:p>
         </p:txBody>
       </p:sp>
+      <p:grpSp>
+        <p:nvGrpSpPr>
+          <p:cNvPr id="3" name="Gruppieren 2"/>
+          <p:cNvGrpSpPr/>
+          <p:nvPr/>
+        </p:nvGrpSpPr>
+        <p:grpSpPr>
+          <a:xfrm>
+            <a:off x="1911273" y="1181100"/>
+            <a:ext cx="6994525" cy="4819650"/>
+            <a:chOff x="444501" y="1137779"/>
+            <a:chExt cx="6994525" cy="4819650"/>
+          </a:xfrm>
+        </p:grpSpPr>
+        <p:pic>
+          <p:nvPicPr>
+            <p:cNvPr id="9" name="Grafik 8"/>
+            <p:cNvPicPr>
+              <a:picLocks noChangeAspect="1"/>
+            </p:cNvPicPr>
+            <p:nvPr/>
+          </p:nvPicPr>
+          <p:blipFill rotWithShape="1">
+            <a:blip r:embed="rId3"/>
+            <a:srcRect l="-117" t="11217" r="51017" b="10521"/>
+            <a:stretch/>
+          </p:blipFill>
+          <p:spPr>
+            <a:xfrm>
+              <a:off x="444501" y="1170658"/>
+              <a:ext cx="4851399" cy="4753892"/>
+            </a:xfrm>
+            <a:prstGeom prst="rect">
+              <a:avLst/>
+            </a:prstGeom>
+          </p:spPr>
+        </p:pic>
+        <p:pic>
+          <p:nvPicPr>
+            <p:cNvPr id="6" name="Grafik 5"/>
+            <p:cNvPicPr>
+              <a:picLocks noChangeAspect="1"/>
+            </p:cNvPicPr>
+            <p:nvPr/>
+          </p:nvPicPr>
+          <p:blipFill rotWithShape="1">
+            <a:blip r:embed="rId3"/>
+            <a:srcRect l="52853" t="9945" r="30470" b="10710"/>
+            <a:stretch/>
+          </p:blipFill>
+          <p:spPr>
+            <a:xfrm>
+              <a:off x="5791200" y="1137779"/>
+              <a:ext cx="1647826" cy="4819650"/>
+            </a:xfrm>
+            <a:prstGeom prst="rect">
+              <a:avLst/>
+            </a:prstGeom>
+          </p:spPr>
+        </p:pic>
+        <p:sp>
+          <p:nvSpPr>
+            <p:cNvPr id="2" name="Textfeld 1"/>
+            <p:cNvSpPr txBox="1"/>
+            <p:nvPr/>
+          </p:nvSpPr>
+          <p:spPr>
+            <a:xfrm>
+              <a:off x="6296025" y="1351633"/>
+              <a:ext cx="813043" cy="369332"/>
+            </a:xfrm>
+            <a:prstGeom prst="rect">
+              <a:avLst/>
+            </a:prstGeom>
+            <a:noFill/>
+          </p:spPr>
+          <p:txBody>
+            <a:bodyPr wrap="none" rtlCol="0">
+              <a:spAutoFit/>
+            </a:bodyPr>
+            <a:lstStyle/>
+            <a:p>
+              <a:r>
+                <a:rPr lang="de-DE" dirty="0" smtClean="0">
+                  <a:solidFill>
+                    <a:schemeClr val="accent3"/>
+                  </a:solidFill>
+                </a:rPr>
+                <a:t>XAML</a:t>
+              </a:r>
+              <a:endParaRPr lang="de-DE" sz="1400" dirty="0" smtClean="0">
+                <a:solidFill>
+                  <a:schemeClr val="accent3"/>
+                </a:solidFill>
+              </a:endParaRPr>
+            </a:p>
+          </p:txBody>
+        </p:sp>
+      </p:grpSp>
     </p:spTree>
     <p:extLst>
       <p:ext uri="{BB962C8B-B14F-4D97-AF65-F5344CB8AC3E}">

--- a/06. Entwicklung einer App für Windows Phone/06. Entwicklung einer App für Windows Phone.pptx
+++ b/06. Entwicklung einer App für Windows Phone/06. Entwicklung einer App für Windows Phone.pptx
@@ -5,10 +5,10 @@
     <p:sldMasterId id="2147484690" r:id="rId1"/>
   </p:sldMasterIdLst>
   <p:notesMasterIdLst>
-    <p:notesMasterId r:id="rId26"/>
+    <p:notesMasterId r:id="rId27"/>
   </p:notesMasterIdLst>
   <p:handoutMasterIdLst>
-    <p:handoutMasterId r:id="rId27"/>
+    <p:handoutMasterId r:id="rId28"/>
   </p:handoutMasterIdLst>
   <p:sldIdLst>
     <p:sldId id="332" r:id="rId2"/>
@@ -34,7 +34,8 @@
     <p:sldId id="398" r:id="rId22"/>
     <p:sldId id="399" r:id="rId23"/>
     <p:sldId id="403" r:id="rId24"/>
-    <p:sldId id="290" r:id="rId25"/>
+    <p:sldId id="412" r:id="rId25"/>
+    <p:sldId id="290" r:id="rId26"/>
   </p:sldIdLst>
   <p:sldSz cx="12190413" cy="6859588"/>
   <p:notesSz cx="7099300" cy="10234613"/>
@@ -2741,6 +2742,113 @@
       </p:grpSpPr>
       <p:sp>
         <p:nvSpPr>
+          <p:cNvPr id="2" name="Folienbildplatzhalter 1"/>
+          <p:cNvSpPr>
+            <a:spLocks noGrp="1" noRot="1" noChangeAspect="1"/>
+          </p:cNvSpPr>
+          <p:nvPr>
+            <p:ph type="sldImg"/>
+          </p:nvPr>
+        </p:nvSpPr>
+        <p:spPr/>
+      </p:sp>
+      <p:sp>
+        <p:nvSpPr>
+          <p:cNvPr id="3" name="Notizenplatzhalter 2"/>
+          <p:cNvSpPr>
+            <a:spLocks noGrp="1"/>
+          </p:cNvSpPr>
+          <p:nvPr>
+            <p:ph type="body" idx="1"/>
+          </p:nvPr>
+        </p:nvSpPr>
+        <p:spPr/>
+        <p:txBody>
+          <a:bodyPr/>
+          <a:lstStyle/>
+          <a:p>
+            <a:pPr marL="0" marR="0" indent="0" algn="l" defTabSz="914400" rtl="0" eaLnBrk="0" fontAlgn="base" latinLnBrk="0" hangingPunct="0">
+              <a:lnSpc>
+                <a:spcPct val="100000"/>
+              </a:lnSpc>
+              <a:spcBef>
+                <a:spcPct val="30000"/>
+              </a:spcBef>
+              <a:spcAft>
+                <a:spcPct val="0"/>
+              </a:spcAft>
+              <a:buClrTx/>
+              <a:buSzTx/>
+              <a:buFontTx/>
+              <a:buNone/>
+              <a:tabLst/>
+              <a:defRPr/>
+            </a:pPr>
+            <a:endParaRPr lang="de-DE" altLang="de-DE" dirty="0" smtClean="0"/>
+          </a:p>
+        </p:txBody>
+      </p:sp>
+      <p:sp>
+        <p:nvSpPr>
+          <p:cNvPr id="4" name="Foliennummernplatzhalter 3"/>
+          <p:cNvSpPr>
+            <a:spLocks noGrp="1"/>
+          </p:cNvSpPr>
+          <p:nvPr>
+            <p:ph type="sldNum" sz="quarter" idx="10"/>
+          </p:nvPr>
+        </p:nvSpPr>
+        <p:spPr/>
+        <p:txBody>
+          <a:bodyPr/>
+          <a:lstStyle/>
+          <a:p>
+            <a:pPr>
+              <a:defRPr/>
+            </a:pPr>
+            <a:fld id="{9FD97EF8-451C-4BD4-A577-78C919C344DB}" type="slidenum">
+              <a:rPr lang="sv-SE" smtClean="0"/>
+              <a:pPr>
+                <a:defRPr/>
+              </a:pPr>
+              <a:t>24</a:t>
+            </a:fld>
+            <a:endParaRPr lang="sv-SE"/>
+          </a:p>
+        </p:txBody>
+      </p:sp>
+    </p:spTree>
+    <p:extLst>
+      <p:ext uri="{BB962C8B-B14F-4D97-AF65-F5344CB8AC3E}">
+        <p14:creationId xmlns:p14="http://schemas.microsoft.com/office/powerpoint/2010/main" val="1827438283"/>
+      </p:ext>
+    </p:extLst>
+  </p:cSld>
+  <p:clrMapOvr>
+    <a:masterClrMapping/>
+  </p:clrMapOvr>
+</p:notes>
+</file>
+
+<file path=ppt/notesSlides/notesSlide22.xml><?xml version="1.0" encoding="utf-8"?>
+<p:notes xmlns:a="http://schemas.openxmlformats.org/drawingml/2006/main" xmlns:r="http://schemas.openxmlformats.org/officeDocument/2006/relationships" xmlns:p="http://schemas.openxmlformats.org/presentationml/2006/main">
+  <p:cSld>
+    <p:spTree>
+      <p:nvGrpSpPr>
+        <p:cNvPr id="1" name=""/>
+        <p:cNvGrpSpPr/>
+        <p:nvPr/>
+      </p:nvGrpSpPr>
+      <p:grpSpPr>
+        <a:xfrm>
+          <a:off x="0" y="0"/>
+          <a:ext cx="0" cy="0"/>
+          <a:chOff x="0" y="0"/>
+          <a:chExt cx="0" cy="0"/>
+        </a:xfrm>
+      </p:grpSpPr>
+      <p:sp>
+        <p:nvSpPr>
           <p:cNvPr id="35842" name="Folienbildplatzhalter 1"/>
           <p:cNvSpPr>
             <a:spLocks noGrp="1" noRot="1" noChangeAspect="1" noTextEdit="1"/>
@@ -2813,7 +2921,7 @@
               <a:pPr>
                 <a:defRPr/>
               </a:pPr>
-              <a:t>24</a:t>
+              <a:t>25</a:t>
             </a:fld>
             <a:endParaRPr lang="sv-SE"/>
           </a:p>
@@ -11654,6 +11762,342 @@
       </p:grpSpPr>
       <p:sp>
         <p:nvSpPr>
+          <p:cNvPr id="2" name="Titel 1"/>
+          <p:cNvSpPr>
+            <a:spLocks noGrp="1"/>
+          </p:cNvSpPr>
+          <p:nvPr>
+            <p:ph type="title"/>
+          </p:nvPr>
+        </p:nvSpPr>
+        <p:spPr/>
+        <p:txBody>
+          <a:bodyPr/>
+          <a:lstStyle/>
+          <a:p>
+            <a:pPr>
+              <a:lnSpc>
+                <a:spcPct val="150000"/>
+              </a:lnSpc>
+            </a:pPr>
+            <a:r>
+              <a:rPr lang="de-DE" dirty="0" smtClean="0"/>
+              <a:t>Abschluss und Feedbackrunde</a:t>
+            </a:r>
+            <a:endParaRPr lang="de-DE" dirty="0"/>
+          </a:p>
+        </p:txBody>
+      </p:sp>
+      <p:sp>
+        <p:nvSpPr>
+          <p:cNvPr id="4" name="Foliennummernplatzhalter 3"/>
+          <p:cNvSpPr>
+            <a:spLocks noGrp="1"/>
+          </p:cNvSpPr>
+          <p:nvPr>
+            <p:ph type="sldNum" sz="quarter" idx="12"/>
+          </p:nvPr>
+        </p:nvSpPr>
+        <p:spPr/>
+        <p:txBody>
+          <a:bodyPr/>
+          <a:lstStyle/>
+          <a:p>
+            <a:fld id="{8F35CB8A-22DD-4279-9E9E-A49CDB5FBE56}" type="slidenum">
+              <a:rPr lang="en-US" smtClean="0"/>
+              <a:pPr/>
+              <a:t>24</a:t>
+            </a:fld>
+            <a:endParaRPr lang="en-US"/>
+          </a:p>
+        </p:txBody>
+      </p:sp>
+      <p:pic>
+        <p:nvPicPr>
+          <p:cNvPr id="6" name="Picture 6"/>
+          <p:cNvPicPr>
+            <a:picLocks noChangeAspect="1" noChangeArrowheads="1"/>
+          </p:cNvPicPr>
+          <p:nvPr/>
+        </p:nvPicPr>
+        <p:blipFill>
+          <a:blip r:embed="rId3">
+            <a:extLst>
+              <a:ext uri="{28A0092B-C50C-407E-A947-70E740481C1C}">
+                <a14:useLocalDpi xmlns:a14="http://schemas.microsoft.com/office/drawing/2010/main" val="0"/>
+              </a:ext>
+            </a:extLst>
+          </a:blip>
+          <a:stretch>
+            <a:fillRect/>
+          </a:stretch>
+        </p:blipFill>
+        <p:spPr bwMode="auto">
+          <a:xfrm>
+            <a:off x="6777023" y="888600"/>
+            <a:ext cx="2005028" cy="2005028"/>
+          </a:xfrm>
+          <a:prstGeom prst="rect">
+            <a:avLst/>
+          </a:prstGeom>
+          <a:noFill/>
+          <a:effectLst>
+            <a:outerShdw blurRad="50800" dist="38100" dir="2700000" algn="tl" rotWithShape="0">
+              <a:prstClr val="black">
+                <a:alpha val="40000"/>
+              </a:prstClr>
+            </a:outerShdw>
+          </a:effectLst>
+          <a:extLst>
+            <a:ext uri="{909E8E84-426E-40DD-AFC4-6F175D3DCCD1}">
+              <a14:hiddenFill xmlns:a14="http://schemas.microsoft.com/office/drawing/2010/main">
+                <a:solidFill>
+                  <a:srgbClr val="FFFFFF"/>
+                </a:solidFill>
+              </a14:hiddenFill>
+            </a:ext>
+          </a:extLst>
+        </p:spPr>
+      </p:pic>
+      <p:pic>
+        <p:nvPicPr>
+          <p:cNvPr id="7" name="Grafik 6"/>
+          <p:cNvPicPr>
+            <a:picLocks noChangeAspect="1"/>
+          </p:cNvPicPr>
+          <p:nvPr/>
+        </p:nvPicPr>
+        <p:blipFill>
+          <a:blip r:embed="rId4"/>
+          <a:stretch>
+            <a:fillRect/>
+          </a:stretch>
+        </p:blipFill>
+        <p:spPr>
+          <a:xfrm>
+            <a:off x="9329909" y="2347075"/>
+            <a:ext cx="2005028" cy="2005028"/>
+          </a:xfrm>
+          <a:prstGeom prst="rect">
+            <a:avLst/>
+          </a:prstGeom>
+          <a:effectLst>
+            <a:outerShdw blurRad="50800" dist="38100" dir="2700000" algn="tl" rotWithShape="0">
+              <a:prstClr val="black">
+                <a:alpha val="40000"/>
+              </a:prstClr>
+            </a:outerShdw>
+          </a:effectLst>
+        </p:spPr>
+      </p:pic>
+      <p:pic>
+        <p:nvPicPr>
+          <p:cNvPr id="8" name="Grafik 7"/>
+          <p:cNvPicPr>
+            <a:picLocks noChangeAspect="1"/>
+          </p:cNvPicPr>
+          <p:nvPr/>
+        </p:nvPicPr>
+        <p:blipFill>
+          <a:blip r:embed="rId5" cstate="print">
+            <a:extLst>
+              <a:ext uri="{28A0092B-C50C-407E-A947-70E740481C1C}">
+                <a14:useLocalDpi xmlns:a14="http://schemas.microsoft.com/office/drawing/2010/main" val="0"/>
+              </a:ext>
+            </a:extLst>
+          </a:blip>
+          <a:stretch>
+            <a:fillRect/>
+          </a:stretch>
+        </p:blipFill>
+        <p:spPr>
+          <a:xfrm>
+            <a:off x="6727858" y="4187720"/>
+            <a:ext cx="2054193" cy="2054193"/>
+          </a:xfrm>
+          <a:prstGeom prst="rect">
+            <a:avLst/>
+          </a:prstGeom>
+          <a:effectLst>
+            <a:outerShdw blurRad="50800" dist="38100" dir="2700000" algn="tl" rotWithShape="0">
+              <a:prstClr val="black">
+                <a:alpha val="40000"/>
+              </a:prstClr>
+            </a:outerShdw>
+          </a:effectLst>
+        </p:spPr>
+      </p:pic>
+      <p:sp>
+        <p:nvSpPr>
+          <p:cNvPr id="9" name="Textfeld 8"/>
+          <p:cNvSpPr txBox="1"/>
+          <p:nvPr/>
+        </p:nvSpPr>
+        <p:spPr>
+          <a:xfrm>
+            <a:off x="587298" y="1779928"/>
+            <a:ext cx="4437616" cy="3139321"/>
+          </a:xfrm>
+          <a:prstGeom prst="rect">
+            <a:avLst/>
+          </a:prstGeom>
+          <a:noFill/>
+        </p:spPr>
+        <p:txBody>
+          <a:bodyPr wrap="square" rtlCol="0">
+            <a:spAutoFit/>
+          </a:bodyPr>
+          <a:lstStyle/>
+          <a:p>
+            <a:r>
+              <a:rPr lang="de-DE" dirty="0" smtClean="0">
+                <a:solidFill>
+                  <a:schemeClr val="accent3"/>
+                </a:solidFill>
+              </a:rPr>
+              <a:t>Kontakt:</a:t>
+            </a:r>
+          </a:p>
+          <a:p>
+            <a:endParaRPr lang="de-DE" dirty="0" smtClean="0">
+              <a:solidFill>
+                <a:schemeClr val="accent3"/>
+              </a:solidFill>
+            </a:endParaRPr>
+          </a:p>
+          <a:p>
+            <a:r>
+              <a:rPr lang="de-DE" dirty="0" smtClean="0">
+                <a:solidFill>
+                  <a:schemeClr val="accent3"/>
+                </a:solidFill>
+              </a:rPr>
+              <a:t>Constantin Petsch</a:t>
+            </a:r>
+          </a:p>
+          <a:p>
+            <a:r>
+              <a:rPr lang="de-DE" dirty="0" smtClean="0">
+                <a:hlinkClick r:id="rId6"/>
+              </a:rPr>
+              <a:t>constantin.petsch@acando.de</a:t>
+            </a:r>
+            <a:endParaRPr lang="de-DE" dirty="0" smtClean="0"/>
+          </a:p>
+          <a:p>
+            <a:endParaRPr lang="de-DE" dirty="0" smtClean="0">
+              <a:solidFill>
+                <a:schemeClr val="accent3"/>
+              </a:solidFill>
+            </a:endParaRPr>
+          </a:p>
+          <a:p>
+            <a:r>
+              <a:rPr lang="de-DE" dirty="0" smtClean="0">
+                <a:solidFill>
+                  <a:schemeClr val="accent3"/>
+                </a:solidFill>
+              </a:rPr>
+              <a:t>Felix Radzanowski</a:t>
+            </a:r>
+          </a:p>
+          <a:p>
+            <a:r>
+              <a:rPr lang="de-DE" dirty="0" smtClean="0">
+                <a:solidFill>
+                  <a:schemeClr val="accent3"/>
+                </a:solidFill>
+                <a:hlinkClick r:id="rId7"/>
+              </a:rPr>
+              <a:t>felix.radzanowski@acando.de</a:t>
+            </a:r>
+            <a:endParaRPr lang="de-DE" dirty="0" smtClean="0">
+              <a:solidFill>
+                <a:schemeClr val="accent3"/>
+              </a:solidFill>
+            </a:endParaRPr>
+          </a:p>
+          <a:p>
+            <a:endParaRPr lang="de-DE" dirty="0">
+              <a:solidFill>
+                <a:schemeClr val="accent3"/>
+              </a:solidFill>
+            </a:endParaRPr>
+          </a:p>
+          <a:p>
+            <a:r>
+              <a:rPr lang="de-DE" dirty="0" smtClean="0">
+                <a:solidFill>
+                  <a:schemeClr val="accent3"/>
+                </a:solidFill>
+              </a:rPr>
+              <a:t>Daniel Beckmann</a:t>
+            </a:r>
+          </a:p>
+          <a:p>
+            <a:r>
+              <a:rPr lang="de-DE" dirty="0" smtClean="0">
+                <a:solidFill>
+                  <a:schemeClr val="accent3"/>
+                </a:solidFill>
+                <a:hlinkClick r:id="rId8"/>
+              </a:rPr>
+              <a:t>daniel.beckmann@acando.de</a:t>
+            </a:r>
+            <a:endParaRPr lang="de-DE" dirty="0" smtClean="0">
+              <a:solidFill>
+                <a:schemeClr val="accent3"/>
+              </a:solidFill>
+            </a:endParaRPr>
+          </a:p>
+          <a:p>
+            <a:endParaRPr lang="de-DE" dirty="0">
+              <a:solidFill>
+                <a:schemeClr val="accent3"/>
+              </a:solidFill>
+            </a:endParaRPr>
+          </a:p>
+        </p:txBody>
+      </p:sp>
+    </p:spTree>
+    <p:extLst>
+      <p:ext uri="{BB962C8B-B14F-4D97-AF65-F5344CB8AC3E}">
+        <p14:creationId xmlns:p14="http://schemas.microsoft.com/office/powerpoint/2010/main" val="3671277502"/>
+      </p:ext>
+    </p:extLst>
+  </p:cSld>
+  <p:clrMapOvr>
+    <a:masterClrMapping/>
+  </p:clrMapOvr>
+  <p:timing>
+    <p:tnLst>
+      <p:par>
+        <p:cTn id="1" dur="indefinite" restart="never" nodeType="tmRoot"/>
+      </p:par>
+    </p:tnLst>
+  </p:timing>
+</p:sld>
+</file>
+
+<file path=ppt/slides/slide25.xml><?xml version="1.0" encoding="utf-8"?>
+<p:sld xmlns:a="http://schemas.openxmlformats.org/drawingml/2006/main" xmlns:r="http://schemas.openxmlformats.org/officeDocument/2006/relationships" xmlns:p="http://schemas.openxmlformats.org/presentationml/2006/main">
+  <p:cSld>
+    <p:spTree>
+      <p:nvGrpSpPr>
+        <p:cNvPr id="1" name=""/>
+        <p:cNvGrpSpPr/>
+        <p:nvPr/>
+      </p:nvGrpSpPr>
+      <p:grpSpPr>
+        <a:xfrm>
+          <a:off x="0" y="0"/>
+          <a:ext cx="0" cy="0"/>
+          <a:chOff x="0" y="0"/>
+          <a:chExt cx="0" cy="0"/>
+        </a:xfrm>
+      </p:grpSpPr>
+      <p:sp>
+        <p:nvSpPr>
           <p:cNvPr id="12" name="Foliennummernplatzhalter 11"/>
           <p:cNvSpPr>
             <a:spLocks noGrp="1"/>
@@ -11675,7 +12119,7 @@
               <a:pPr>
                 <a:defRPr/>
               </a:pPr>
-              <a:t>24</a:t>
+              <a:t>25</a:t>
             </a:fld>
             <a:endParaRPr lang="sv-SE" dirty="0"/>
           </a:p>
